--- a/presentation/Presentation.pptx
+++ b/presentation/Presentation.pptx
@@ -209,7 +209,7 @@
           <a:p>
             <a:fld id="{BB2E07A3-62E6-8646-9E49-53F04F5F1BC8}" type="datetimeFigureOut">
               <a:rPr lang="en-US" smtClean="0"/>
-              <a:t>12/17/2018</a:t>
+              <a:t>12/18/2018</a:t>
             </a:fld>
             <a:endParaRPr lang="en-US"/>
           </a:p>
@@ -8681,8 +8681,8 @@
           <a:chExt cx="0" cy="0"/>
         </a:xfrm>
       </p:grpSpPr>
-      <mc:AlternateContent xmlns:mc="http://schemas.openxmlformats.org/markup-compatibility/2006">
-        <mc:Choice xmlns:a14="http://schemas.microsoft.com/office/drawing/2010/main" Requires="a14">
+      <mc:AlternateContent xmlns:mc="http://schemas.openxmlformats.org/markup-compatibility/2006" xmlns:a14="http://schemas.microsoft.com/office/drawing/2010/main">
+        <mc:Choice Requires="a14">
           <p:sp>
             <p:nvSpPr>
               <p:cNvPr id="2" name="Inhaltsplatzhalter 1"/>
@@ -8784,7 +8784,7 @@
             </p:txBody>
           </p:sp>
         </mc:Choice>
-        <mc:Fallback>
+        <mc:Fallback xmlns="">
           <p:sp>
             <p:nvSpPr>
               <p:cNvPr id="2" name="Inhaltsplatzhalter 1"/>
@@ -9219,7 +9219,7 @@
             </a:pPr>
             <a:r>
               <a:rPr lang="en-US" dirty="0"/>
-              <a:t>There exists a “starting infected class”</a:t>
+              <a:t>There exists a “starting infected state”</a:t>
             </a:r>
           </a:p>
         </p:txBody>
@@ -9959,8 +9959,8 @@
           <a:chExt cx="0" cy="0"/>
         </a:xfrm>
       </p:grpSpPr>
-      <mc:AlternateContent xmlns:mc="http://schemas.openxmlformats.org/markup-compatibility/2006">
-        <mc:Choice xmlns:a14="http://schemas.microsoft.com/office/drawing/2010/main" Requires="a14">
+      <mc:AlternateContent xmlns:mc="http://schemas.openxmlformats.org/markup-compatibility/2006" xmlns:a14="http://schemas.microsoft.com/office/drawing/2010/main">
+        <mc:Choice Requires="a14">
           <p:sp>
             <p:nvSpPr>
               <p:cNvPr id="2" name="Inhaltsplatzhalter 1"/>
@@ -10121,7 +10121,7 @@
             </p:txBody>
           </p:sp>
         </mc:Choice>
-        <mc:Fallback>
+        <mc:Fallback xmlns="">
           <p:sp>
             <p:nvSpPr>
               <p:cNvPr id="2" name="Inhaltsplatzhalter 1"/>
